--- a/2013180052 양형배 2DGamePrograming_2차 발표.pptx
+++ b/2013180052 양형배 2DGamePrograming_2차 발표.pptx
@@ -117,7 +117,7 @@
   </p:defaultTextStyle>
   <p:extLst>
     <p:ext uri="{EFAFB233-063F-42B5-8137-9DF3F51BA10A}">
-      <p15:sldGuideLst xmlns:p15="http://schemas.microsoft.com/office/powerpoint/2012/main" xmlns="">
+      <p15:sldGuideLst xmlns="" xmlns:p15="http://schemas.microsoft.com/office/powerpoint/2012/main">
         <p15:guide id="1" orient="horz" pos="2092" userDrawn="1">
           <p15:clr>
             <a:srgbClr val="A4A3A4"/>
@@ -371,7 +371,7 @@
     </p:spTree>
     <p:extLst>
       <p:ext uri="{BB962C8B-B14F-4D97-AF65-F5344CB8AC3E}">
-        <p14:creationId xmlns="" xmlns:p14="http://schemas.microsoft.com/office/powerpoint/2010/main" val="2415429535"/>
+        <p14:creationId xmlns:p14="http://schemas.microsoft.com/office/powerpoint/2010/main" xmlns="" val="2415429535"/>
       </p:ext>
     </p:extLst>
   </p:cSld>
@@ -550,7 +550,7 @@
     </p:spTree>
     <p:extLst>
       <p:ext uri="{BB962C8B-B14F-4D97-AF65-F5344CB8AC3E}">
-        <p14:creationId xmlns="" xmlns:p14="http://schemas.microsoft.com/office/powerpoint/2010/main" val="1309691450"/>
+        <p14:creationId xmlns:p14="http://schemas.microsoft.com/office/powerpoint/2010/main" xmlns="" val="1309691450"/>
       </p:ext>
     </p:extLst>
   </p:cSld>
@@ -732,7 +732,7 @@
     </p:spTree>
     <p:extLst>
       <p:ext uri="{BB962C8B-B14F-4D97-AF65-F5344CB8AC3E}">
-        <p14:creationId xmlns="" xmlns:p14="http://schemas.microsoft.com/office/powerpoint/2010/main" val="3085174749"/>
+        <p14:creationId xmlns:p14="http://schemas.microsoft.com/office/powerpoint/2010/main" xmlns="" val="3085174749"/>
       </p:ext>
     </p:extLst>
   </p:cSld>
@@ -904,7 +904,7 @@
     </p:spTree>
     <p:extLst>
       <p:ext uri="{BB962C8B-B14F-4D97-AF65-F5344CB8AC3E}">
-        <p14:creationId xmlns="" xmlns:p14="http://schemas.microsoft.com/office/powerpoint/2010/main" val="1405795616"/>
+        <p14:creationId xmlns:p14="http://schemas.microsoft.com/office/powerpoint/2010/main" xmlns="" val="1405795616"/>
       </p:ext>
     </p:extLst>
   </p:cSld>
@@ -1152,7 +1152,7 @@
     </p:spTree>
     <p:extLst>
       <p:ext uri="{BB962C8B-B14F-4D97-AF65-F5344CB8AC3E}">
-        <p14:creationId xmlns="" xmlns:p14="http://schemas.microsoft.com/office/powerpoint/2010/main" val="707904313"/>
+        <p14:creationId xmlns:p14="http://schemas.microsoft.com/office/powerpoint/2010/main" xmlns="" val="707904313"/>
       </p:ext>
     </p:extLst>
   </p:cSld>
@@ -1386,7 +1386,7 @@
     </p:spTree>
     <p:extLst>
       <p:ext uri="{BB962C8B-B14F-4D97-AF65-F5344CB8AC3E}">
-        <p14:creationId xmlns="" xmlns:p14="http://schemas.microsoft.com/office/powerpoint/2010/main" val="684451757"/>
+        <p14:creationId xmlns:p14="http://schemas.microsoft.com/office/powerpoint/2010/main" xmlns="" val="684451757"/>
       </p:ext>
     </p:extLst>
   </p:cSld>
@@ -1755,7 +1755,7 @@
     </p:spTree>
     <p:extLst>
       <p:ext uri="{BB962C8B-B14F-4D97-AF65-F5344CB8AC3E}">
-        <p14:creationId xmlns="" xmlns:p14="http://schemas.microsoft.com/office/powerpoint/2010/main" val="1555783249"/>
+        <p14:creationId xmlns:p14="http://schemas.microsoft.com/office/powerpoint/2010/main" xmlns="" val="1555783249"/>
       </p:ext>
     </p:extLst>
   </p:cSld>
@@ -1875,7 +1875,7 @@
     </p:spTree>
     <p:extLst>
       <p:ext uri="{BB962C8B-B14F-4D97-AF65-F5344CB8AC3E}">
-        <p14:creationId xmlns="" xmlns:p14="http://schemas.microsoft.com/office/powerpoint/2010/main" val="1722879836"/>
+        <p14:creationId xmlns:p14="http://schemas.microsoft.com/office/powerpoint/2010/main" xmlns="" val="1722879836"/>
       </p:ext>
     </p:extLst>
   </p:cSld>
@@ -1972,7 +1972,7 @@
     </p:spTree>
     <p:extLst>
       <p:ext uri="{BB962C8B-B14F-4D97-AF65-F5344CB8AC3E}">
-        <p14:creationId xmlns="" xmlns:p14="http://schemas.microsoft.com/office/powerpoint/2010/main" val="3787324463"/>
+        <p14:creationId xmlns:p14="http://schemas.microsoft.com/office/powerpoint/2010/main" xmlns="" val="3787324463"/>
       </p:ext>
     </p:extLst>
   </p:cSld>
@@ -2251,7 +2251,7 @@
     </p:spTree>
     <p:extLst>
       <p:ext uri="{BB962C8B-B14F-4D97-AF65-F5344CB8AC3E}">
-        <p14:creationId xmlns="" xmlns:p14="http://schemas.microsoft.com/office/powerpoint/2010/main" val="3949220981"/>
+        <p14:creationId xmlns:p14="http://schemas.microsoft.com/office/powerpoint/2010/main" xmlns="" val="3949220981"/>
       </p:ext>
     </p:extLst>
   </p:cSld>
@@ -2506,7 +2506,7 @@
     </p:spTree>
     <p:extLst>
       <p:ext uri="{BB962C8B-B14F-4D97-AF65-F5344CB8AC3E}">
-        <p14:creationId xmlns="" xmlns:p14="http://schemas.microsoft.com/office/powerpoint/2010/main" val="2811218270"/>
+        <p14:creationId xmlns:p14="http://schemas.microsoft.com/office/powerpoint/2010/main" xmlns="" val="2811218270"/>
       </p:ext>
     </p:extLst>
   </p:cSld>
@@ -2757,7 +2757,7 @@
     </p:spTree>
     <p:extLst>
       <p:ext uri="{BB962C8B-B14F-4D97-AF65-F5344CB8AC3E}">
-        <p14:creationId xmlns="" xmlns:p14="http://schemas.microsoft.com/office/powerpoint/2010/main" val="4185750425"/>
+        <p14:creationId xmlns:p14="http://schemas.microsoft.com/office/powerpoint/2010/main" xmlns="" val="4185750425"/>
       </p:ext>
     </p:extLst>
   </p:cSld>
@@ -3989,7 +3989,7 @@
     </p:spTree>
     <p:extLst>
       <p:ext uri="{BB962C8B-B14F-4D97-AF65-F5344CB8AC3E}">
-        <p14:creationId xmlns="" xmlns:p14="http://schemas.microsoft.com/office/powerpoint/2010/main" val="2584695231"/>
+        <p14:creationId xmlns:p14="http://schemas.microsoft.com/office/powerpoint/2010/main" xmlns="" val="2584695231"/>
       </p:ext>
     </p:extLst>
   </p:cSld>
@@ -3997,7 +3997,7 @@
     <a:masterClrMapping/>
   </p:clrMapOvr>
   <mc:AlternateContent xmlns:mc="http://schemas.openxmlformats.org/markup-compatibility/2006">
-    <mc:Choice xmlns="" xmlns:p14="http://schemas.microsoft.com/office/powerpoint/2010/main" Requires="p14">
+    <mc:Choice xmlns:p14="http://schemas.microsoft.com/office/powerpoint/2010/main" xmlns="" Requires="p14">
       <p:transition p14:dur="250">
         <p:wipe/>
       </p:transition>
@@ -4751,7 +4751,7 @@
     </p:spTree>
     <p:extLst>
       <p:ext uri="{BB962C8B-B14F-4D97-AF65-F5344CB8AC3E}">
-        <p14:creationId xmlns="" xmlns:p14="http://schemas.microsoft.com/office/powerpoint/2010/main" val="3355478631"/>
+        <p14:creationId xmlns:p14="http://schemas.microsoft.com/office/powerpoint/2010/main" xmlns="" val="3355478631"/>
       </p:ext>
     </p:extLst>
   </p:cSld>
@@ -4759,7 +4759,7 @@
     <a:masterClrMapping/>
   </p:clrMapOvr>
   <mc:AlternateContent xmlns:mc="http://schemas.openxmlformats.org/markup-compatibility/2006">
-    <mc:Choice xmlns="" xmlns:p14="http://schemas.microsoft.com/office/powerpoint/2010/main" Requires="p14">
+    <mc:Choice xmlns:p14="http://schemas.microsoft.com/office/powerpoint/2010/main" xmlns="" Requires="p14">
       <p:transition p14:dur="250">
         <p:wipe/>
       </p:transition>
@@ -5076,7 +5076,7 @@
           <a:noFill/>
           <a:extLst>
             <a:ext uri="{909E8E84-426E-40DD-AFC4-6F175D3DCCD1}">
-              <a14:hiddenFill xmlns="" xmlns:a14="http://schemas.microsoft.com/office/drawing/2010/main">
+              <a14:hiddenFill xmlns:a14="http://schemas.microsoft.com/office/drawing/2010/main" xmlns="">
                 <a:solidFill>
                   <a:srgbClr val="FFFFFF"/>
                 </a:solidFill>
@@ -5115,7 +5115,7 @@
           <a:noFill/>
           <a:extLst>
             <a:ext uri="{909E8E84-426E-40DD-AFC4-6F175D3DCCD1}">
-              <a14:hiddenFill xmlns="" xmlns:a14="http://schemas.microsoft.com/office/drawing/2010/main">
+              <a14:hiddenFill xmlns:a14="http://schemas.microsoft.com/office/drawing/2010/main" xmlns="">
                 <a:solidFill>
                   <a:srgbClr val="FFFFFF"/>
                 </a:solidFill>
@@ -5186,24 +5186,7 @@
                 <a:latin typeface="Arial" panose="020B0604020202020204" pitchFamily="34" charset="0"/>
                 <a:cs typeface="Arial" panose="020B0604020202020204" pitchFamily="34" charset="0"/>
               </a:rPr>
-              <a:t>폭</a:t>
-            </a:r>
-            <a:r>
-              <a:rPr lang="ko-KR" altLang="en-US" sz="2000" b="1" dirty="0" smtClean="0">
-                <a:ln>
-                  <a:solidFill>
-                    <a:schemeClr val="bg1">
-                      <a:alpha val="0"/>
-                    </a:schemeClr>
-                  </a:solidFill>
-                </a:ln>
-                <a:solidFill>
-                  <a:srgbClr val="3F3F3F"/>
-                </a:solidFill>
-                <a:latin typeface="Arial" panose="020B0604020202020204" pitchFamily="34" charset="0"/>
-                <a:cs typeface="Arial" panose="020B0604020202020204" pitchFamily="34" charset="0"/>
-              </a:rPr>
-              <a:t>발 애니메이션</a:t>
+              <a:t>폭발 애니메이션</a:t>
             </a:r>
             <a:endParaRPr lang="ko-KR" altLang="en-US" sz="2000" b="1" dirty="0">
               <a:ln>
@@ -5230,8 +5213,8 @@
         </p:nvSpPr>
         <p:spPr>
           <a:xfrm>
-            <a:off x="4187841" y="3988817"/>
-            <a:ext cx="1794081" cy="707886"/>
+            <a:off x="4572562" y="3988817"/>
+            <a:ext cx="1024639" cy="707886"/>
           </a:xfrm>
           <a:prstGeom prst="rect">
             <a:avLst/>
@@ -5273,7 +5256,7 @@
                 <a:latin typeface="Arial" panose="020B0604020202020204" pitchFamily="34" charset="0"/>
                 <a:cs typeface="Arial" panose="020B0604020202020204" pitchFamily="34" charset="0"/>
               </a:rPr>
-              <a:t>어려운 난이도</a:t>
+              <a:t>적군의 </a:t>
             </a:r>
             <a:endParaRPr lang="en-US" altLang="ko-KR" sz="2000" b="1" dirty="0" smtClean="0">
               <a:ln>
@@ -5307,7 +5290,7 @@
                 <a:latin typeface="Arial" panose="020B0604020202020204" pitchFamily="34" charset="0"/>
                 <a:cs typeface="Arial" panose="020B0604020202020204" pitchFamily="34" charset="0"/>
               </a:rPr>
-              <a:t>의 탄막</a:t>
+              <a:t>탄막</a:t>
             </a:r>
             <a:endParaRPr lang="ko-KR" altLang="en-US" sz="2000" b="1" dirty="0">
               <a:ln>
@@ -5539,7 +5522,7 @@
     </p:spTree>
     <p:extLst>
       <p:ext uri="{BB962C8B-B14F-4D97-AF65-F5344CB8AC3E}">
-        <p14:creationId xmlns="" xmlns:p14="http://schemas.microsoft.com/office/powerpoint/2010/main" val="4271637704"/>
+        <p14:creationId xmlns:p14="http://schemas.microsoft.com/office/powerpoint/2010/main" xmlns="" val="4271637704"/>
       </p:ext>
     </p:extLst>
   </p:cSld>
@@ -5547,7 +5530,7 @@
     <a:masterClrMapping/>
   </p:clrMapOvr>
   <mc:AlternateContent xmlns:mc="http://schemas.openxmlformats.org/markup-compatibility/2006">
-    <mc:Choice xmlns="" xmlns:p14="http://schemas.microsoft.com/office/powerpoint/2010/main" Requires="p14">
+    <mc:Choice xmlns:p14="http://schemas.microsoft.com/office/powerpoint/2010/main" xmlns="" Requires="p14">
       <p:transition p14:dur="250">
         <p:wipe/>
       </p:transition>
@@ -5794,7 +5777,7 @@
           <a:noFill/>
           <a:extLst>
             <a:ext uri="{909E8E84-426E-40DD-AFC4-6F175D3DCCD1}">
-              <a14:hiddenFill xmlns="" xmlns:a14="http://schemas.microsoft.com/office/drawing/2010/main">
+              <a14:hiddenFill xmlns:a14="http://schemas.microsoft.com/office/drawing/2010/main" xmlns="">
                 <a:solidFill>
                   <a:srgbClr val="FFFFFF"/>
                 </a:solidFill>
@@ -5833,7 +5816,7 @@
           <a:noFill/>
           <a:extLst>
             <a:ext uri="{909E8E84-426E-40DD-AFC4-6F175D3DCCD1}">
-              <a14:hiddenFill xmlns="" xmlns:a14="http://schemas.microsoft.com/office/drawing/2010/main">
+              <a14:hiddenFill xmlns:a14="http://schemas.microsoft.com/office/drawing/2010/main" xmlns="">
                 <a:solidFill>
                   <a:srgbClr val="FFFFFF"/>
                 </a:solidFill>
@@ -6451,7 +6434,7 @@
     </p:spTree>
     <p:extLst>
       <p:ext uri="{BB962C8B-B14F-4D97-AF65-F5344CB8AC3E}">
-        <p14:creationId xmlns="" xmlns:p14="http://schemas.microsoft.com/office/powerpoint/2010/main" val="4271637704"/>
+        <p14:creationId xmlns:p14="http://schemas.microsoft.com/office/powerpoint/2010/main" xmlns="" val="4271637704"/>
       </p:ext>
     </p:extLst>
   </p:cSld>
@@ -6459,7 +6442,7 @@
     <a:masterClrMapping/>
   </p:clrMapOvr>
   <mc:AlternateContent xmlns:mc="http://schemas.openxmlformats.org/markup-compatibility/2006">
-    <mc:Choice xmlns="" xmlns:p14="http://schemas.microsoft.com/office/powerpoint/2010/main" Requires="p14">
+    <mc:Choice xmlns:p14="http://schemas.microsoft.com/office/powerpoint/2010/main" xmlns="" Requires="p14">
       <p:transition p14:dur="250">
         <p:wipe/>
       </p:transition>
@@ -6706,7 +6689,7 @@
           <a:noFill/>
           <a:extLst>
             <a:ext uri="{909E8E84-426E-40DD-AFC4-6F175D3DCCD1}">
-              <a14:hiddenFill xmlns="" xmlns:a14="http://schemas.microsoft.com/office/drawing/2010/main">
+              <a14:hiddenFill xmlns:a14="http://schemas.microsoft.com/office/drawing/2010/main" xmlns="">
                 <a:solidFill>
                   <a:srgbClr val="FFFFFF"/>
                 </a:solidFill>
@@ -6745,7 +6728,7 @@
           <a:noFill/>
           <a:extLst>
             <a:ext uri="{909E8E84-426E-40DD-AFC4-6F175D3DCCD1}">
-              <a14:hiddenFill xmlns="" xmlns:a14="http://schemas.microsoft.com/office/drawing/2010/main">
+              <a14:hiddenFill xmlns:a14="http://schemas.microsoft.com/office/drawing/2010/main" xmlns="">
                 <a:solidFill>
                   <a:srgbClr val="FFFFFF"/>
                 </a:solidFill>
@@ -6794,7 +6777,7 @@
     </p:spTree>
     <p:extLst>
       <p:ext uri="{BB962C8B-B14F-4D97-AF65-F5344CB8AC3E}">
-        <p14:creationId xmlns="" xmlns:p14="http://schemas.microsoft.com/office/powerpoint/2010/main" val="4271637704"/>
+        <p14:creationId xmlns:p14="http://schemas.microsoft.com/office/powerpoint/2010/main" xmlns="" val="4271637704"/>
       </p:ext>
     </p:extLst>
   </p:cSld>
@@ -6802,7 +6785,7 @@
     <a:masterClrMapping/>
   </p:clrMapOvr>
   <mc:AlternateContent xmlns:mc="http://schemas.openxmlformats.org/markup-compatibility/2006">
-    <mc:Choice xmlns="" xmlns:p14="http://schemas.microsoft.com/office/powerpoint/2010/main" Requires="p14">
+    <mc:Choice xmlns:p14="http://schemas.microsoft.com/office/powerpoint/2010/main" xmlns="" Requires="p14">
       <p:transition p14:dur="250">
         <p:wipe/>
       </p:transition>
@@ -7078,7 +7061,7 @@
   <a:extraClrSchemeLst/>
   <a:extLst>
     <a:ext uri="{05A4C25C-085E-4340-85A3-A5531E510DB2}">
-      <thm15:themeFamily xmlns:thm15="http://schemas.microsoft.com/office/thememl/2012/main" xmlns="" name="Office Theme" id="{62F939B6-93AF-4DB8-9C6B-D6C7DFDC589F}" vid="{4A3C46E8-61CC-4603-A589-7422A47A8E4A}"/>
+      <thm15:themeFamily xmlns="" xmlns:thm15="http://schemas.microsoft.com/office/thememl/2012/main" name="Office Theme" id="{62F939B6-93AF-4DB8-9C6B-D6C7DFDC589F}" vid="{4A3C46E8-61CC-4603-A589-7422A47A8E4A}"/>
     </a:ext>
   </a:extLst>
 </a:theme>
